--- a/gilbert/images/pageRankStep.pptx
+++ b/gilbert/images/pageRankStep.pptx
@@ -289,7 +289,7 @@
             <a:fld id="{CD66EB5A-4F37-441C-A97C-356D4BF20A1B}" type="datetimeFigureOut">
               <a:rPr lang="de-DE" smtClean="0"/>
               <a:pPr/>
-              <a:t>10/07/14</a:t>
+              <a:t>14/07/14</a:t>
             </a:fld>
             <a:endParaRPr lang="de-DE"/>
           </a:p>
@@ -456,7 +456,7 @@
             <a:fld id="{CD66EB5A-4F37-441C-A97C-356D4BF20A1B}" type="datetimeFigureOut">
               <a:rPr lang="de-DE" smtClean="0"/>
               <a:pPr/>
-              <a:t>10/07/14</a:t>
+              <a:t>14/07/14</a:t>
             </a:fld>
             <a:endParaRPr lang="de-DE"/>
           </a:p>
@@ -633,7 +633,7 @@
             <a:fld id="{CD66EB5A-4F37-441C-A97C-356D4BF20A1B}" type="datetimeFigureOut">
               <a:rPr lang="de-DE" smtClean="0"/>
               <a:pPr/>
-              <a:t>10/07/14</a:t>
+              <a:t>14/07/14</a:t>
             </a:fld>
             <a:endParaRPr lang="de-DE"/>
           </a:p>
@@ -800,7 +800,7 @@
             <a:fld id="{CD66EB5A-4F37-441C-A97C-356D4BF20A1B}" type="datetimeFigureOut">
               <a:rPr lang="de-DE" smtClean="0"/>
               <a:pPr/>
-              <a:t>10/07/14</a:t>
+              <a:t>14/07/14</a:t>
             </a:fld>
             <a:endParaRPr lang="de-DE"/>
           </a:p>
@@ -1043,7 +1043,7 @@
             <a:fld id="{CD66EB5A-4F37-441C-A97C-356D4BF20A1B}" type="datetimeFigureOut">
               <a:rPr lang="de-DE" smtClean="0"/>
               <a:pPr/>
-              <a:t>10/07/14</a:t>
+              <a:t>14/07/14</a:t>
             </a:fld>
             <a:endParaRPr lang="de-DE"/>
           </a:p>
@@ -1328,7 +1328,7 @@
             <a:fld id="{CD66EB5A-4F37-441C-A97C-356D4BF20A1B}" type="datetimeFigureOut">
               <a:rPr lang="de-DE" smtClean="0"/>
               <a:pPr/>
-              <a:t>10/07/14</a:t>
+              <a:t>14/07/14</a:t>
             </a:fld>
             <a:endParaRPr lang="de-DE"/>
           </a:p>
@@ -1747,7 +1747,7 @@
             <a:fld id="{CD66EB5A-4F37-441C-A97C-356D4BF20A1B}" type="datetimeFigureOut">
               <a:rPr lang="de-DE" smtClean="0"/>
               <a:pPr/>
-              <a:t>10/07/14</a:t>
+              <a:t>14/07/14</a:t>
             </a:fld>
             <a:endParaRPr lang="de-DE"/>
           </a:p>
@@ -1862,7 +1862,7 @@
             <a:fld id="{CD66EB5A-4F37-441C-A97C-356D4BF20A1B}" type="datetimeFigureOut">
               <a:rPr lang="de-DE" smtClean="0"/>
               <a:pPr/>
-              <a:t>10/07/14</a:t>
+              <a:t>14/07/14</a:t>
             </a:fld>
             <a:endParaRPr lang="de-DE"/>
           </a:p>
@@ -1954,7 +1954,7 @@
             <a:fld id="{CD66EB5A-4F37-441C-A97C-356D4BF20A1B}" type="datetimeFigureOut">
               <a:rPr lang="de-DE" smtClean="0"/>
               <a:pPr/>
-              <a:t>10/07/14</a:t>
+              <a:t>14/07/14</a:t>
             </a:fld>
             <a:endParaRPr lang="de-DE"/>
           </a:p>
@@ -2228,7 +2228,7 @@
             <a:fld id="{CD66EB5A-4F37-441C-A97C-356D4BF20A1B}" type="datetimeFigureOut">
               <a:rPr lang="de-DE" smtClean="0"/>
               <a:pPr/>
-              <a:t>10/07/14</a:t>
+              <a:t>14/07/14</a:t>
             </a:fld>
             <a:endParaRPr lang="de-DE"/>
           </a:p>
@@ -2478,7 +2478,7 @@
             <a:fld id="{CD66EB5A-4F37-441C-A97C-356D4BF20A1B}" type="datetimeFigureOut">
               <a:rPr lang="de-DE" smtClean="0"/>
               <a:pPr/>
-              <a:t>10/07/14</a:t>
+              <a:t>14/07/14</a:t>
             </a:fld>
             <a:endParaRPr lang="de-DE"/>
           </a:p>
@@ -2688,7 +2688,7 @@
             <a:fld id="{CD66EB5A-4F37-441C-A97C-356D4BF20A1B}" type="datetimeFigureOut">
               <a:rPr lang="de-DE" smtClean="0"/>
               <a:pPr/>
-              <a:t>10/07/14</a:t>
+              <a:t>14/07/14</a:t>
             </a:fld>
             <a:endParaRPr lang="de-DE"/>
           </a:p>
@@ -3067,8 +3067,8 @@
         </p:nvSpPr>
         <p:spPr>
           <a:xfrm>
-            <a:off x="2699792" y="4005064"/>
-            <a:ext cx="3168352" cy="785818"/>
+            <a:off x="2339752" y="4487378"/>
+            <a:ext cx="3888432" cy="504056"/>
           </a:xfrm>
           <a:prstGeom prst="roundRect">
             <a:avLst/>
@@ -3099,7 +3099,7 @@
           </a:fontRef>
         </p:style>
         <p:txBody>
-          <a:bodyPr wrap="none" rtlCol="0" anchor="ctr"/>
+          <a:bodyPr wrap="none" rtlCol="0" anchor="t" anchorCtr="0"/>
           <a:lstStyle/>
           <a:p>
             <a:pPr algn="ctr"/>
@@ -3109,7 +3109,7 @@
                   <a:schemeClr val="tx1"/>
                 </a:solidFill>
               </a:rPr>
-              <a:t>join</a:t>
+              <a:t>cartesian</a:t>
             </a:r>
             <a:endParaRPr lang="de-DE" b="1" dirty="0" smtClean="0">
               <a:solidFill>
@@ -3127,63 +3127,6 @@
           </a:p>
         </p:txBody>
       </p:sp>
-      <p:graphicFrame>
-        <p:nvGraphicFramePr>
-          <p:cNvPr id="14" name="Objekt 13"/>
-          <p:cNvGraphicFramePr>
-            <a:graphicFrameLocks noChangeAspect="1"/>
-          </p:cNvGraphicFramePr>
-          <p:nvPr>
-            <p:extLst>
-              <p:ext uri="{D42A27DB-BD31-4B8C-83A1-F6EECF244321}">
-                <p14:modId xmlns:p14="http://schemas.microsoft.com/office/powerpoint/2010/main" val="65260630"/>
-              </p:ext>
-            </p:extLst>
-          </p:nvPr>
-        </p:nvGraphicFramePr>
-        <p:xfrm>
-          <a:off x="3589338" y="4437063"/>
-          <a:ext cx="1308100" cy="292100"/>
-        </p:xfrm>
-        <a:graphic>
-          <a:graphicData uri="http://schemas.openxmlformats.org/presentationml/2006/ole">
-            <mc:AlternateContent xmlns:mc="http://schemas.openxmlformats.org/markup-compatibility/2006">
-              <mc:Choice xmlns:v="urn:schemas-microsoft-com:vml" Requires="v">
-                <p:oleObj spid="_x0000_s1133" name="Equation" r:id="rId3" imgW="1308100" imgH="292100" progId="Equation.3">
-                  <p:embed/>
-                </p:oleObj>
-              </mc:Choice>
-              <mc:Fallback>
-                <p:oleObj name="Equation" r:id="rId3" imgW="1308100" imgH="292100" progId="Equation.3">
-                  <p:embed/>
-                  <p:pic>
-                    <p:nvPicPr>
-                      <p:cNvPr id="0" name=""/>
-                      <p:cNvPicPr/>
-                      <p:nvPr/>
-                    </p:nvPicPr>
-                    <p:blipFill>
-                      <a:blip r:embed="rId4"/>
-                      <a:stretch>
-                        <a:fillRect/>
-                      </a:stretch>
-                    </p:blipFill>
-                    <p:spPr>
-                      <a:xfrm>
-                        <a:off x="3589338" y="4437063"/>
-                        <a:ext cx="1308100" cy="292100"/>
-                      </a:xfrm>
-                      <a:prstGeom prst="rect">
-                        <a:avLst/>
-                      </a:prstGeom>
-                    </p:spPr>
-                  </p:pic>
-                </p:oleObj>
-              </mc:Fallback>
-            </mc:AlternateContent>
-          </a:graphicData>
-        </a:graphic>
-      </p:graphicFrame>
       <p:sp>
         <p:nvSpPr>
           <p:cNvPr id="29" name="Oval 28"/>
@@ -3192,7 +3135,7 @@
         </p:nvSpPr>
         <p:spPr>
           <a:xfrm>
-            <a:off x="2699792" y="5085184"/>
+            <a:off x="2339752" y="5351474"/>
             <a:ext cx="1440160" cy="1152128"/>
           </a:xfrm>
           <a:prstGeom prst="ellipse">
@@ -3229,12 +3172,12 @@
           <a:p>
             <a:pPr algn="ctr"/>
             <a:r>
-              <a:rPr lang="de-DE" sz="2200" b="1" dirty="0" smtClean="0">
+              <a:rPr lang="de-DE" sz="2200" b="1" dirty="0" err="1" smtClean="0">
                 <a:solidFill>
                   <a:schemeClr val="tx1"/>
                 </a:solidFill>
               </a:rPr>
-              <a:t>rank</a:t>
+              <a:t>datapoints</a:t>
             </a:r>
             <a:endParaRPr lang="de-DE" sz="2200" b="1" dirty="0" smtClean="0">
               <a:solidFill>
@@ -3252,7 +3195,7 @@
         </p:nvCxnSpPr>
         <p:spPr>
           <a:xfrm flipV="1">
-            <a:off x="3419872" y="4797152"/>
+            <a:off x="3059832" y="5063442"/>
             <a:ext cx="8929" cy="273212"/>
           </a:xfrm>
           <a:prstGeom prst="straightConnector1">
@@ -3290,25 +3233,25 @@
           <p:nvPr>
             <p:extLst>
               <p:ext uri="{D42A27DB-BD31-4B8C-83A1-F6EECF244321}">
-                <p14:modId xmlns:p14="http://schemas.microsoft.com/office/powerpoint/2010/main" val="1349877295"/>
+                <p14:modId xmlns:p14="http://schemas.microsoft.com/office/powerpoint/2010/main" val="4291113186"/>
               </p:ext>
             </p:extLst>
           </p:nvPr>
         </p:nvGraphicFramePr>
         <p:xfrm>
-          <a:off x="3131840" y="6309320"/>
-          <a:ext cx="546100" cy="279400"/>
+          <a:off x="2613025" y="6569075"/>
+          <a:ext cx="863600" cy="292100"/>
         </p:xfrm>
         <a:graphic>
           <a:graphicData uri="http://schemas.openxmlformats.org/presentationml/2006/ole">
             <mc:AlternateContent xmlns:mc="http://schemas.openxmlformats.org/markup-compatibility/2006">
               <mc:Choice xmlns:v="urn:schemas-microsoft-com:vml" Requires="v">
-                <p:oleObj spid="_x0000_s1134" name="Equation" r:id="rId5" imgW="546100" imgH="279400" progId="Equation.3">
+                <p:oleObj spid="_x0000_s1175" name="Equation" r:id="rId3" imgW="863600" imgH="292100" progId="Equation.3">
                   <p:embed/>
                 </p:oleObj>
               </mc:Choice>
               <mc:Fallback>
-                <p:oleObj name="Equation" r:id="rId5" imgW="546100" imgH="279400" progId="Equation.3">
+                <p:oleObj name="Equation" r:id="rId3" imgW="863600" imgH="292100" progId="Equation.3">
                   <p:embed/>
                   <p:pic>
                     <p:nvPicPr>
@@ -3317,15 +3260,15 @@
                       <p:nvPr/>
                     </p:nvPicPr>
                     <p:blipFill>
-                      <a:blip r:embed="rId6"/>
+                      <a:blip r:embed="rId4"/>
                       <a:stretch>
                         <a:fillRect/>
                       </a:stretch>
                     </p:blipFill>
                     <p:spPr>
                       <a:xfrm>
-                        <a:off x="3131840" y="6309320"/>
-                        <a:ext cx="546100" cy="279400"/>
+                        <a:off x="2613025" y="6569075"/>
+                        <a:ext cx="863600" cy="292100"/>
                       </a:xfrm>
                       <a:prstGeom prst="rect">
                         <a:avLst/>
@@ -3346,7 +3289,7 @@
         </p:nvSpPr>
         <p:spPr>
           <a:xfrm>
-            <a:off x="4427984" y="5085184"/>
+            <a:off x="4788024" y="5351474"/>
             <a:ext cx="1440160" cy="1152128"/>
           </a:xfrm>
           <a:prstGeom prst="ellipse">
@@ -3388,7 +3331,7 @@
                   <a:schemeClr val="tx1"/>
                 </a:solidFill>
               </a:rPr>
-              <a:t>a</a:t>
+              <a:t>c</a:t>
             </a:r>
             <a:r>
               <a:rPr lang="de-DE" sz="2200" b="1" dirty="0" err="1" smtClean="0">
@@ -3396,7 +3339,7 @@
                   <a:schemeClr val="tx1"/>
                 </a:solidFill>
               </a:rPr>
-              <a:t>djacency</a:t>
+              <a:t>luster</a:t>
             </a:r>
             <a:endParaRPr lang="de-DE" sz="2200" b="1" dirty="0" smtClean="0">
               <a:solidFill>
@@ -3412,7 +3355,7 @@
                   <a:schemeClr val="tx1"/>
                 </a:solidFill>
               </a:rPr>
-              <a:t>list</a:t>
+              <a:t>centers</a:t>
             </a:r>
             <a:endParaRPr lang="de-DE" sz="2200" b="1" dirty="0" smtClean="0">
               <a:solidFill>
@@ -3430,7 +3373,7 @@
         </p:nvCxnSpPr>
         <p:spPr>
           <a:xfrm flipV="1">
-            <a:off x="5148064" y="4797152"/>
+            <a:off x="5508104" y="5063442"/>
             <a:ext cx="8929" cy="273212"/>
           </a:xfrm>
           <a:prstGeom prst="straightConnector1">
@@ -3468,25 +3411,25 @@
           <p:nvPr>
             <p:extLst>
               <p:ext uri="{D42A27DB-BD31-4B8C-83A1-F6EECF244321}">
-                <p14:modId xmlns:p14="http://schemas.microsoft.com/office/powerpoint/2010/main" val="1676874786"/>
+                <p14:modId xmlns:p14="http://schemas.microsoft.com/office/powerpoint/2010/main" val="3369810036"/>
               </p:ext>
             </p:extLst>
           </p:nvPr>
         </p:nvGraphicFramePr>
         <p:xfrm>
-          <a:off x="4823718" y="6308725"/>
-          <a:ext cx="609600" cy="279400"/>
+          <a:off x="5011738" y="6569075"/>
+          <a:ext cx="952500" cy="292100"/>
         </p:xfrm>
         <a:graphic>
           <a:graphicData uri="http://schemas.openxmlformats.org/presentationml/2006/ole">
             <mc:AlternateContent xmlns:mc="http://schemas.openxmlformats.org/markup-compatibility/2006">
               <mc:Choice xmlns:v="urn:schemas-microsoft-com:vml" Requires="v">
-                <p:oleObj spid="_x0000_s1135" name="Equation" r:id="rId7" imgW="609600" imgH="279400" progId="Equation.3">
+                <p:oleObj spid="_x0000_s1176" name="Equation" r:id="rId5" imgW="952500" imgH="292100" progId="Equation.3">
                   <p:embed/>
                 </p:oleObj>
               </mc:Choice>
               <mc:Fallback>
-                <p:oleObj name="Equation" r:id="rId7" imgW="609600" imgH="279400" progId="Equation.3">
+                <p:oleObj name="Equation" r:id="rId5" imgW="952500" imgH="292100" progId="Equation.3">
                   <p:embed/>
                   <p:pic>
                     <p:nvPicPr>
@@ -3495,15 +3438,15 @@
                       <p:nvPr/>
                     </p:nvPicPr>
                     <p:blipFill>
-                      <a:blip r:embed="rId8"/>
+                      <a:blip r:embed="rId6"/>
                       <a:stretch>
                         <a:fillRect/>
                       </a:stretch>
                     </p:blipFill>
                     <p:spPr>
                       <a:xfrm>
-                        <a:off x="4823718" y="6308725"/>
-                        <a:ext cx="609600" cy="279400"/>
+                        <a:off x="5011738" y="6569075"/>
+                        <a:ext cx="952500" cy="292100"/>
                       </a:xfrm>
                       <a:prstGeom prst="rect">
                         <a:avLst/>
@@ -3524,7 +3467,7 @@
         </p:nvCxnSpPr>
         <p:spPr>
           <a:xfrm flipV="1">
-            <a:off x="4283968" y="3717032"/>
+            <a:off x="4283968" y="4199346"/>
             <a:ext cx="8929" cy="273212"/>
           </a:xfrm>
           <a:prstGeom prst="straightConnector1">
@@ -3561,8 +3504,8 @@
         </p:nvSpPr>
         <p:spPr>
           <a:xfrm>
-            <a:off x="2699792" y="2924944"/>
-            <a:ext cx="3168352" cy="785818"/>
+            <a:off x="2339752" y="3407258"/>
+            <a:ext cx="3888432" cy="785818"/>
           </a:xfrm>
           <a:prstGeom prst="roundRect">
             <a:avLst/>
@@ -3603,7 +3546,7 @@
                   <a:schemeClr val="tx1"/>
                 </a:solidFill>
               </a:rPr>
-              <a:t>flatMap</a:t>
+              <a:t>map</a:t>
             </a:r>
             <a:endParaRPr lang="de-DE" b="1" dirty="0" smtClean="0">
               <a:solidFill>
@@ -3629,7 +3572,7 @@
         </p:nvCxnSpPr>
         <p:spPr>
           <a:xfrm flipV="1">
-            <a:off x="4283968" y="2636912"/>
+            <a:off x="4283968" y="3119226"/>
             <a:ext cx="8929" cy="273212"/>
           </a:xfrm>
           <a:prstGeom prst="straightConnector1">
@@ -3666,8 +3609,8 @@
         </p:nvSpPr>
         <p:spPr>
           <a:xfrm>
-            <a:off x="2699792" y="1844824"/>
-            <a:ext cx="3168352" cy="785818"/>
+            <a:off x="2339752" y="2327138"/>
+            <a:ext cx="3888432" cy="785818"/>
           </a:xfrm>
           <a:prstGeom prst="roundRect">
             <a:avLst/>
@@ -3734,8 +3677,8 @@
         </p:nvSpPr>
         <p:spPr>
           <a:xfrm>
-            <a:off x="2699792" y="476672"/>
-            <a:ext cx="3168352" cy="1080120"/>
+            <a:off x="2339752" y="958986"/>
+            <a:ext cx="3888432" cy="1080120"/>
           </a:xfrm>
           <a:prstGeom prst="roundRect">
             <a:avLst/>
@@ -3802,7 +3745,7 @@
         </p:nvCxnSpPr>
         <p:spPr>
           <a:xfrm flipV="1">
-            <a:off x="4283968" y="1556792"/>
+            <a:off x="4283968" y="2039106"/>
             <a:ext cx="8929" cy="273212"/>
           </a:xfrm>
           <a:prstGeom prst="straightConnector1">
@@ -3840,25 +3783,25 @@
           <p:nvPr>
             <p:extLst>
               <p:ext uri="{D42A27DB-BD31-4B8C-83A1-F6EECF244321}">
-                <p14:modId xmlns:p14="http://schemas.microsoft.com/office/powerpoint/2010/main" val="4258411436"/>
+                <p14:modId xmlns:p14="http://schemas.microsoft.com/office/powerpoint/2010/main" val="1714483266"/>
               </p:ext>
             </p:extLst>
           </p:nvPr>
         </p:nvGraphicFramePr>
         <p:xfrm>
-          <a:off x="3355975" y="3332163"/>
-          <a:ext cx="1892300" cy="381000"/>
+          <a:off x="3192463" y="3766728"/>
+          <a:ext cx="2209800" cy="381000"/>
         </p:xfrm>
         <a:graphic>
           <a:graphicData uri="http://schemas.openxmlformats.org/presentationml/2006/ole">
             <mc:AlternateContent xmlns:mc="http://schemas.openxmlformats.org/markup-compatibility/2006">
               <mc:Choice xmlns:v="urn:schemas-microsoft-com:vml" Requires="v">
-                <p:oleObj spid="_x0000_s1136" name="Equation" r:id="rId9" imgW="1892300" imgH="381000" progId="Equation.3">
+                <p:oleObj spid="_x0000_s1177" name="Equation" r:id="rId7" imgW="2209800" imgH="381000" progId="Equation.3">
                   <p:embed/>
                 </p:oleObj>
               </mc:Choice>
               <mc:Fallback>
-                <p:oleObj name="Equation" r:id="rId9" imgW="1892300" imgH="381000" progId="Equation.3">
+                <p:oleObj name="Equation" r:id="rId7" imgW="2209800" imgH="381000" progId="Equation.3">
                   <p:embed/>
                   <p:pic>
                     <p:nvPicPr>
@@ -3867,15 +3810,15 @@
                       <p:nvPr/>
                     </p:nvPicPr>
                     <p:blipFill>
-                      <a:blip r:embed="rId10"/>
+                      <a:blip r:embed="rId8"/>
                       <a:stretch>
                         <a:fillRect/>
                       </a:stretch>
                     </p:blipFill>
                     <p:spPr>
                       <a:xfrm>
-                        <a:off x="3355975" y="3332163"/>
-                        <a:ext cx="1892300" cy="381000"/>
+                        <a:off x="3192463" y="3766728"/>
+                        <a:ext cx="2209800" cy="381000"/>
                       </a:xfrm>
                       <a:prstGeom prst="rect">
                         <a:avLst/>
@@ -3897,25 +3840,25 @@
           <p:nvPr>
             <p:extLst>
               <p:ext uri="{D42A27DB-BD31-4B8C-83A1-F6EECF244321}">
-                <p14:modId xmlns:p14="http://schemas.microsoft.com/office/powerpoint/2010/main" val="3167861917"/>
+                <p14:modId xmlns:p14="http://schemas.microsoft.com/office/powerpoint/2010/main" val="316008052"/>
               </p:ext>
             </p:extLst>
           </p:nvPr>
         </p:nvGraphicFramePr>
         <p:xfrm>
-          <a:off x="4065588" y="2257425"/>
-          <a:ext cx="355600" cy="330200"/>
+          <a:off x="3927475" y="2758665"/>
+          <a:ext cx="635000" cy="330200"/>
         </p:xfrm>
         <a:graphic>
           <a:graphicData uri="http://schemas.openxmlformats.org/presentationml/2006/ole">
             <mc:AlternateContent xmlns:mc="http://schemas.openxmlformats.org/markup-compatibility/2006">
               <mc:Choice xmlns:v="urn:schemas-microsoft-com:vml" Requires="v">
-                <p:oleObj spid="_x0000_s1137" name="Equation" r:id="rId11" imgW="355600" imgH="330200" progId="Equation.3">
+                <p:oleObj spid="_x0000_s1178" name="Equation" r:id="rId9" imgW="635000" imgH="330200" progId="Equation.3">
                   <p:embed/>
                 </p:oleObj>
               </mc:Choice>
               <mc:Fallback>
-                <p:oleObj name="Equation" r:id="rId11" imgW="355600" imgH="330200" progId="Equation.3">
+                <p:oleObj name="Equation" r:id="rId9" imgW="635000" imgH="330200" progId="Equation.3">
                   <p:embed/>
                   <p:pic>
                     <p:nvPicPr>
@@ -3924,15 +3867,15 @@
                       <p:nvPr/>
                     </p:nvPicPr>
                     <p:blipFill>
-                      <a:blip r:embed="rId12"/>
+                      <a:blip r:embed="rId10"/>
                       <a:stretch>
                         <a:fillRect/>
                       </a:stretch>
                     </p:blipFill>
                     <p:spPr>
                       <a:xfrm>
-                        <a:off x="4065588" y="2257425"/>
-                        <a:ext cx="355600" cy="330200"/>
+                        <a:off x="3927475" y="2758665"/>
+                        <a:ext cx="635000" cy="330200"/>
                       </a:xfrm>
                       <a:prstGeom prst="rect">
                         <a:avLst/>
@@ -3954,25 +3897,25 @@
           <p:nvPr>
             <p:extLst>
               <p:ext uri="{D42A27DB-BD31-4B8C-83A1-F6EECF244321}">
-                <p14:modId xmlns:p14="http://schemas.microsoft.com/office/powerpoint/2010/main" val="2471837036"/>
+                <p14:modId xmlns:p14="http://schemas.microsoft.com/office/powerpoint/2010/main" val="2850099369"/>
               </p:ext>
             </p:extLst>
           </p:nvPr>
         </p:nvGraphicFramePr>
         <p:xfrm>
-          <a:off x="3846513" y="836613"/>
-          <a:ext cx="825500" cy="685800"/>
+          <a:off x="3140075" y="1433103"/>
+          <a:ext cx="2247900" cy="457200"/>
         </p:xfrm>
         <a:graphic>
           <a:graphicData uri="http://schemas.openxmlformats.org/presentationml/2006/ole">
             <mc:AlternateContent xmlns:mc="http://schemas.openxmlformats.org/markup-compatibility/2006">
               <mc:Choice xmlns:v="urn:schemas-microsoft-com:vml" Requires="v">
-                <p:oleObj spid="_x0000_s1138" name="Equation" r:id="rId13" imgW="825500" imgH="685800" progId="Equation.3">
+                <p:oleObj spid="_x0000_s1179" name="Equation" r:id="rId11" imgW="2247900" imgH="457200" progId="Equation.3">
                   <p:embed/>
                 </p:oleObj>
               </mc:Choice>
               <mc:Fallback>
-                <p:oleObj name="Equation" r:id="rId13" imgW="825500" imgH="685800" progId="Equation.3">
+                <p:oleObj name="Equation" r:id="rId11" imgW="2247900" imgH="457200" progId="Equation.3">
                   <p:embed/>
                   <p:pic>
                     <p:nvPicPr>
@@ -3981,15 +3924,15 @@
                       <p:nvPr/>
                     </p:nvPicPr>
                     <p:blipFill>
-                      <a:blip r:embed="rId14"/>
+                      <a:blip r:embed="rId12"/>
                       <a:stretch>
                         <a:fillRect/>
                       </a:stretch>
                     </p:blipFill>
                     <p:spPr>
                       <a:xfrm>
-                        <a:off x="3846513" y="836613"/>
-                        <a:ext cx="825500" cy="685800"/>
+                        <a:off x="3140075" y="1433103"/>
+                        <a:ext cx="2247900" cy="457200"/>
                       </a:xfrm>
                       <a:prstGeom prst="rect">
                         <a:avLst/>

--- a/gilbert/images/pageRankStep.pptx
+++ b/gilbert/images/pageRankStep.pptx
@@ -289,7 +289,7 @@
             <a:fld id="{CD66EB5A-4F37-441C-A97C-356D4BF20A1B}" type="datetimeFigureOut">
               <a:rPr lang="de-DE" smtClean="0"/>
               <a:pPr/>
-              <a:t>14/07/14</a:t>
+              <a:t>14/08/14</a:t>
             </a:fld>
             <a:endParaRPr lang="de-DE"/>
           </a:p>
@@ -456,7 +456,7 @@
             <a:fld id="{CD66EB5A-4F37-441C-A97C-356D4BF20A1B}" type="datetimeFigureOut">
               <a:rPr lang="de-DE" smtClean="0"/>
               <a:pPr/>
-              <a:t>14/07/14</a:t>
+              <a:t>14/08/14</a:t>
             </a:fld>
             <a:endParaRPr lang="de-DE"/>
           </a:p>
@@ -633,7 +633,7 @@
             <a:fld id="{CD66EB5A-4F37-441C-A97C-356D4BF20A1B}" type="datetimeFigureOut">
               <a:rPr lang="de-DE" smtClean="0"/>
               <a:pPr/>
-              <a:t>14/07/14</a:t>
+              <a:t>14/08/14</a:t>
             </a:fld>
             <a:endParaRPr lang="de-DE"/>
           </a:p>
@@ -800,7 +800,7 @@
             <a:fld id="{CD66EB5A-4F37-441C-A97C-356D4BF20A1B}" type="datetimeFigureOut">
               <a:rPr lang="de-DE" smtClean="0"/>
               <a:pPr/>
-              <a:t>14/07/14</a:t>
+              <a:t>14/08/14</a:t>
             </a:fld>
             <a:endParaRPr lang="de-DE"/>
           </a:p>
@@ -1043,7 +1043,7 @@
             <a:fld id="{CD66EB5A-4F37-441C-A97C-356D4BF20A1B}" type="datetimeFigureOut">
               <a:rPr lang="de-DE" smtClean="0"/>
               <a:pPr/>
-              <a:t>14/07/14</a:t>
+              <a:t>14/08/14</a:t>
             </a:fld>
             <a:endParaRPr lang="de-DE"/>
           </a:p>
@@ -1328,7 +1328,7 @@
             <a:fld id="{CD66EB5A-4F37-441C-A97C-356D4BF20A1B}" type="datetimeFigureOut">
               <a:rPr lang="de-DE" smtClean="0"/>
               <a:pPr/>
-              <a:t>14/07/14</a:t>
+              <a:t>14/08/14</a:t>
             </a:fld>
             <a:endParaRPr lang="de-DE"/>
           </a:p>
@@ -1747,7 +1747,7 @@
             <a:fld id="{CD66EB5A-4F37-441C-A97C-356D4BF20A1B}" type="datetimeFigureOut">
               <a:rPr lang="de-DE" smtClean="0"/>
               <a:pPr/>
-              <a:t>14/07/14</a:t>
+              <a:t>14/08/14</a:t>
             </a:fld>
             <a:endParaRPr lang="de-DE"/>
           </a:p>
@@ -1862,7 +1862,7 @@
             <a:fld id="{CD66EB5A-4F37-441C-A97C-356D4BF20A1B}" type="datetimeFigureOut">
               <a:rPr lang="de-DE" smtClean="0"/>
               <a:pPr/>
-              <a:t>14/07/14</a:t>
+              <a:t>14/08/14</a:t>
             </a:fld>
             <a:endParaRPr lang="de-DE"/>
           </a:p>
@@ -1954,7 +1954,7 @@
             <a:fld id="{CD66EB5A-4F37-441C-A97C-356D4BF20A1B}" type="datetimeFigureOut">
               <a:rPr lang="de-DE" smtClean="0"/>
               <a:pPr/>
-              <a:t>14/07/14</a:t>
+              <a:t>14/08/14</a:t>
             </a:fld>
             <a:endParaRPr lang="de-DE"/>
           </a:p>
@@ -2228,7 +2228,7 @@
             <a:fld id="{CD66EB5A-4F37-441C-A97C-356D4BF20A1B}" type="datetimeFigureOut">
               <a:rPr lang="de-DE" smtClean="0"/>
               <a:pPr/>
-              <a:t>14/07/14</a:t>
+              <a:t>14/08/14</a:t>
             </a:fld>
             <a:endParaRPr lang="de-DE"/>
           </a:p>
@@ -2478,7 +2478,7 @@
             <a:fld id="{CD66EB5A-4F37-441C-A97C-356D4BF20A1B}" type="datetimeFigureOut">
               <a:rPr lang="de-DE" smtClean="0"/>
               <a:pPr/>
-              <a:t>14/07/14</a:t>
+              <a:t>14/08/14</a:t>
             </a:fld>
             <a:endParaRPr lang="de-DE"/>
           </a:p>
@@ -2688,7 +2688,7 @@
             <a:fld id="{CD66EB5A-4F37-441C-A97C-356D4BF20A1B}" type="datetimeFigureOut">
               <a:rPr lang="de-DE" smtClean="0"/>
               <a:pPr/>
-              <a:t>14/07/14</a:t>
+              <a:t>14/08/14</a:t>
             </a:fld>
             <a:endParaRPr lang="de-DE"/>
           </a:p>
@@ -3061,81 +3061,13 @@
       </p:grpSpPr>
       <p:sp>
         <p:nvSpPr>
-          <p:cNvPr id="9" name="Rounded Rectangle 8"/>
-          <p:cNvSpPr/>
-          <p:nvPr/>
-        </p:nvSpPr>
-        <p:spPr>
-          <a:xfrm>
-            <a:off x="2339752" y="4487378"/>
-            <a:ext cx="3888432" cy="504056"/>
-          </a:xfrm>
-          <a:prstGeom prst="roundRect">
-            <a:avLst/>
-          </a:prstGeom>
-          <a:solidFill>
-            <a:srgbClr val="C6D9F1"/>
-          </a:solidFill>
-          <a:ln>
-            <a:solidFill>
-              <a:schemeClr val="tx1"/>
-            </a:solidFill>
-          </a:ln>
-        </p:spPr>
-        <p:style>
-          <a:lnRef idx="2">
-            <a:schemeClr val="accent1">
-              <a:shade val="50000"/>
-            </a:schemeClr>
-          </a:lnRef>
-          <a:fillRef idx="1">
-            <a:schemeClr val="accent1"/>
-          </a:fillRef>
-          <a:effectRef idx="0">
-            <a:schemeClr val="accent1"/>
-          </a:effectRef>
-          <a:fontRef idx="minor">
-            <a:schemeClr val="lt1"/>
-          </a:fontRef>
-        </p:style>
-        <p:txBody>
-          <a:bodyPr wrap="none" rtlCol="0" anchor="t" anchorCtr="0"/>
-          <a:lstStyle/>
-          <a:p>
-            <a:pPr algn="ctr"/>
-            <a:r>
-              <a:rPr lang="de-DE" b="1" dirty="0" err="1" smtClean="0">
-                <a:solidFill>
-                  <a:schemeClr val="tx1"/>
-                </a:solidFill>
-              </a:rPr>
-              <a:t>cartesian</a:t>
-            </a:r>
-            <a:endParaRPr lang="de-DE" b="1" dirty="0" smtClean="0">
-              <a:solidFill>
-                <a:schemeClr val="tx1"/>
-              </a:solidFill>
-            </a:endParaRPr>
-          </a:p>
-          <a:p>
-            <a:pPr algn="ctr"/>
-            <a:endParaRPr lang="de-DE" b="1" dirty="0" smtClean="0">
-              <a:solidFill>
-                <a:schemeClr val="tx1"/>
-              </a:solidFill>
-            </a:endParaRPr>
-          </a:p>
-        </p:txBody>
-      </p:sp>
-      <p:sp>
-        <p:nvSpPr>
           <p:cNvPr id="29" name="Oval 28"/>
           <p:cNvSpPr/>
           <p:nvPr/>
         </p:nvSpPr>
         <p:spPr>
           <a:xfrm>
-            <a:off x="2339752" y="5351474"/>
+            <a:off x="2339752" y="4869160"/>
             <a:ext cx="1440160" cy="1152128"/>
           </a:xfrm>
           <a:prstGeom prst="ellipse">
@@ -3172,12 +3104,12 @@
           <a:p>
             <a:pPr algn="ctr"/>
             <a:r>
-              <a:rPr lang="de-DE" sz="2200" b="1" dirty="0" err="1" smtClean="0">
+              <a:rPr lang="de-DE" sz="2200" b="1" dirty="0" smtClean="0">
                 <a:solidFill>
                   <a:schemeClr val="tx1"/>
                 </a:solidFill>
               </a:rPr>
-              <a:t>datapoints</a:t>
+              <a:t>rank</a:t>
             </a:r>
             <a:endParaRPr lang="de-DE" sz="2200" b="1" dirty="0" smtClean="0">
               <a:solidFill>
@@ -3195,7 +3127,7 @@
         </p:nvCxnSpPr>
         <p:spPr>
           <a:xfrm flipV="1">
-            <a:off x="3059832" y="5063442"/>
+            <a:off x="3059832" y="4581128"/>
             <a:ext cx="8929" cy="273212"/>
           </a:xfrm>
           <a:prstGeom prst="straightConnector1">
@@ -3233,25 +3165,25 @@
           <p:nvPr>
             <p:extLst>
               <p:ext uri="{D42A27DB-BD31-4B8C-83A1-F6EECF244321}">
-                <p14:modId xmlns:p14="http://schemas.microsoft.com/office/powerpoint/2010/main" val="4291113186"/>
+                <p14:modId xmlns:p14="http://schemas.microsoft.com/office/powerpoint/2010/main" val="1682554092"/>
               </p:ext>
             </p:extLst>
           </p:nvPr>
         </p:nvGraphicFramePr>
         <p:xfrm>
-          <a:off x="2613025" y="6569075"/>
-          <a:ext cx="863600" cy="292100"/>
+          <a:off x="2752725" y="6092825"/>
+          <a:ext cx="584200" cy="279400"/>
         </p:xfrm>
         <a:graphic>
           <a:graphicData uri="http://schemas.openxmlformats.org/presentationml/2006/ole">
             <mc:AlternateContent xmlns:mc="http://schemas.openxmlformats.org/markup-compatibility/2006">
               <mc:Choice xmlns:v="urn:schemas-microsoft-com:vml" Requires="v">
-                <p:oleObj spid="_x0000_s1175" name="Equation" r:id="rId3" imgW="863600" imgH="292100" progId="Equation.3">
+                <p:oleObj spid="_x0000_s1193" name="Equation" r:id="rId3" imgW="584200" imgH="279400" progId="Equation.3">
                   <p:embed/>
                 </p:oleObj>
               </mc:Choice>
               <mc:Fallback>
-                <p:oleObj name="Equation" r:id="rId3" imgW="863600" imgH="292100" progId="Equation.3">
+                <p:oleObj name="Equation" r:id="rId3" imgW="584200" imgH="279400" progId="Equation.3">
                   <p:embed/>
                   <p:pic>
                     <p:nvPicPr>
@@ -3267,8 +3199,8 @@
                     </p:blipFill>
                     <p:spPr>
                       <a:xfrm>
-                        <a:off x="2613025" y="6569075"/>
-                        <a:ext cx="863600" cy="292100"/>
+                        <a:off x="2752725" y="6092825"/>
+                        <a:ext cx="584200" cy="279400"/>
                       </a:xfrm>
                       <a:prstGeom prst="rect">
                         <a:avLst/>
@@ -3289,7 +3221,7 @@
         </p:nvSpPr>
         <p:spPr>
           <a:xfrm>
-            <a:off x="4788024" y="5351474"/>
+            <a:off x="4788024" y="4869160"/>
             <a:ext cx="1440160" cy="1152128"/>
           </a:xfrm>
           <a:prstGeom prst="ellipse">
@@ -3331,7 +3263,7 @@
                   <a:schemeClr val="tx1"/>
                 </a:solidFill>
               </a:rPr>
-              <a:t>c</a:t>
+              <a:t>a</a:t>
             </a:r>
             <a:r>
               <a:rPr lang="de-DE" sz="2200" b="1" dirty="0" err="1" smtClean="0">
@@ -3339,7 +3271,7 @@
                   <a:schemeClr val="tx1"/>
                 </a:solidFill>
               </a:rPr>
-              <a:t>luster</a:t>
+              <a:t>djacency</a:t>
             </a:r>
             <a:endParaRPr lang="de-DE" sz="2200" b="1" dirty="0" smtClean="0">
               <a:solidFill>
@@ -3355,7 +3287,7 @@
                   <a:schemeClr val="tx1"/>
                 </a:solidFill>
               </a:rPr>
-              <a:t>centers</a:t>
+              <a:t>list</a:t>
             </a:r>
             <a:endParaRPr lang="de-DE" sz="2200" b="1" dirty="0" smtClean="0">
               <a:solidFill>
@@ -3373,7 +3305,7 @@
         </p:nvCxnSpPr>
         <p:spPr>
           <a:xfrm flipV="1">
-            <a:off x="5508104" y="5063442"/>
+            <a:off x="5508104" y="4581128"/>
             <a:ext cx="8929" cy="273212"/>
           </a:xfrm>
           <a:prstGeom prst="straightConnector1">
@@ -3411,25 +3343,25 @@
           <p:nvPr>
             <p:extLst>
               <p:ext uri="{D42A27DB-BD31-4B8C-83A1-F6EECF244321}">
-                <p14:modId xmlns:p14="http://schemas.microsoft.com/office/powerpoint/2010/main" val="3369810036"/>
+                <p14:modId xmlns:p14="http://schemas.microsoft.com/office/powerpoint/2010/main" val="1125201843"/>
               </p:ext>
             </p:extLst>
           </p:nvPr>
         </p:nvGraphicFramePr>
         <p:xfrm>
-          <a:off x="5011738" y="6569075"/>
-          <a:ext cx="952500" cy="292100"/>
+          <a:off x="5220072" y="6093296"/>
+          <a:ext cx="609600" cy="279400"/>
         </p:xfrm>
         <a:graphic>
           <a:graphicData uri="http://schemas.openxmlformats.org/presentationml/2006/ole">
             <mc:AlternateContent xmlns:mc="http://schemas.openxmlformats.org/markup-compatibility/2006">
               <mc:Choice xmlns:v="urn:schemas-microsoft-com:vml" Requires="v">
-                <p:oleObj spid="_x0000_s1176" name="Equation" r:id="rId5" imgW="952500" imgH="292100" progId="Equation.3">
+                <p:oleObj spid="_x0000_s1194" name="Equation" r:id="rId5" imgW="609600" imgH="279400" progId="Equation.3">
                   <p:embed/>
                 </p:oleObj>
               </mc:Choice>
               <mc:Fallback>
-                <p:oleObj name="Equation" r:id="rId5" imgW="952500" imgH="292100" progId="Equation.3">
+                <p:oleObj name="Equation" r:id="rId5" imgW="609600" imgH="279400" progId="Equation.3">
                   <p:embed/>
                   <p:pic>
                     <p:nvPicPr>
@@ -3445,8 +3377,8 @@
                     </p:blipFill>
                     <p:spPr>
                       <a:xfrm>
-                        <a:off x="5011738" y="6569075"/>
-                        <a:ext cx="952500" cy="292100"/>
+                        <a:off x="5220072" y="6093296"/>
+                        <a:ext cx="609600" cy="279400"/>
                       </a:xfrm>
                       <a:prstGeom prst="rect">
                         <a:avLst/>
@@ -3467,7 +3399,7 @@
         </p:nvCxnSpPr>
         <p:spPr>
           <a:xfrm flipV="1">
-            <a:off x="4283968" y="4199346"/>
+            <a:off x="4283968" y="3501008"/>
             <a:ext cx="8929" cy="273212"/>
           </a:xfrm>
           <a:prstGeom prst="straightConnector1">
@@ -3504,7 +3436,7 @@
         </p:nvSpPr>
         <p:spPr>
           <a:xfrm>
-            <a:off x="2339752" y="3407258"/>
+            <a:off x="2339752" y="2708920"/>
             <a:ext cx="3888432" cy="785818"/>
           </a:xfrm>
           <a:prstGeom prst="roundRect">
@@ -3546,7 +3478,7 @@
                   <a:schemeClr val="tx1"/>
                 </a:solidFill>
               </a:rPr>
-              <a:t>map</a:t>
+              <a:t>flatMap</a:t>
             </a:r>
             <a:endParaRPr lang="de-DE" b="1" dirty="0" smtClean="0">
               <a:solidFill>
@@ -3572,7 +3504,7 @@
         </p:nvCxnSpPr>
         <p:spPr>
           <a:xfrm flipV="1">
-            <a:off x="4283968" y="3119226"/>
+            <a:off x="4283968" y="2420888"/>
             <a:ext cx="8929" cy="273212"/>
           </a:xfrm>
           <a:prstGeom prst="straightConnector1">
@@ -3609,7 +3541,7 @@
         </p:nvSpPr>
         <p:spPr>
           <a:xfrm>
-            <a:off x="2339752" y="2327138"/>
+            <a:off x="2339752" y="1628800"/>
             <a:ext cx="3888432" cy="785818"/>
           </a:xfrm>
           <a:prstGeom prst="roundRect">
@@ -3677,7 +3609,7 @@
         </p:nvSpPr>
         <p:spPr>
           <a:xfrm>
-            <a:off x="2339752" y="958986"/>
+            <a:off x="2339752" y="260648"/>
             <a:ext cx="3888432" cy="1080120"/>
           </a:xfrm>
           <a:prstGeom prst="roundRect">
@@ -3745,7 +3677,7 @@
         </p:nvCxnSpPr>
         <p:spPr>
           <a:xfrm flipV="1">
-            <a:off x="4283968" y="2039106"/>
+            <a:off x="4283968" y="1340768"/>
             <a:ext cx="8929" cy="273212"/>
           </a:xfrm>
           <a:prstGeom prst="straightConnector1">
@@ -3783,25 +3715,25 @@
           <p:nvPr>
             <p:extLst>
               <p:ext uri="{D42A27DB-BD31-4B8C-83A1-F6EECF244321}">
-                <p14:modId xmlns:p14="http://schemas.microsoft.com/office/powerpoint/2010/main" val="1714483266"/>
+                <p14:modId xmlns:p14="http://schemas.microsoft.com/office/powerpoint/2010/main" val="4254651590"/>
               </p:ext>
             </p:extLst>
           </p:nvPr>
         </p:nvGraphicFramePr>
         <p:xfrm>
-          <a:off x="3192463" y="3766728"/>
-          <a:ext cx="2209800" cy="381000"/>
+          <a:off x="2462213" y="3068638"/>
+          <a:ext cx="3670300" cy="381000"/>
         </p:xfrm>
         <a:graphic>
           <a:graphicData uri="http://schemas.openxmlformats.org/presentationml/2006/ole">
             <mc:AlternateContent xmlns:mc="http://schemas.openxmlformats.org/markup-compatibility/2006">
               <mc:Choice xmlns:v="urn:schemas-microsoft-com:vml" Requires="v">
-                <p:oleObj spid="_x0000_s1177" name="Equation" r:id="rId7" imgW="2209800" imgH="381000" progId="Equation.3">
+                <p:oleObj spid="_x0000_s1195" name="Equation" r:id="rId7" imgW="3670300" imgH="381000" progId="Equation.3">
                   <p:embed/>
                 </p:oleObj>
               </mc:Choice>
               <mc:Fallback>
-                <p:oleObj name="Equation" r:id="rId7" imgW="2209800" imgH="381000" progId="Equation.3">
+                <p:oleObj name="Equation" r:id="rId7" imgW="3670300" imgH="381000" progId="Equation.3">
                   <p:embed/>
                   <p:pic>
                     <p:nvPicPr>
@@ -3817,8 +3749,8 @@
                     </p:blipFill>
                     <p:spPr>
                       <a:xfrm>
-                        <a:off x="3192463" y="3766728"/>
-                        <a:ext cx="2209800" cy="381000"/>
+                        <a:off x="2462213" y="3068638"/>
+                        <a:ext cx="3670300" cy="381000"/>
                       </a:xfrm>
                       <a:prstGeom prst="rect">
                         <a:avLst/>
@@ -3840,25 +3772,25 @@
           <p:nvPr>
             <p:extLst>
               <p:ext uri="{D42A27DB-BD31-4B8C-83A1-F6EECF244321}">
-                <p14:modId xmlns:p14="http://schemas.microsoft.com/office/powerpoint/2010/main" val="316008052"/>
+                <p14:modId xmlns:p14="http://schemas.microsoft.com/office/powerpoint/2010/main" val="1814914543"/>
               </p:ext>
             </p:extLst>
           </p:nvPr>
         </p:nvGraphicFramePr>
         <p:xfrm>
-          <a:off x="3927475" y="2758665"/>
-          <a:ext cx="635000" cy="330200"/>
+          <a:off x="4067175" y="2060575"/>
+          <a:ext cx="355600" cy="330200"/>
         </p:xfrm>
         <a:graphic>
           <a:graphicData uri="http://schemas.openxmlformats.org/presentationml/2006/ole">
             <mc:AlternateContent xmlns:mc="http://schemas.openxmlformats.org/markup-compatibility/2006">
               <mc:Choice xmlns:v="urn:schemas-microsoft-com:vml" Requires="v">
-                <p:oleObj spid="_x0000_s1178" name="Equation" r:id="rId9" imgW="635000" imgH="330200" progId="Equation.3">
+                <p:oleObj spid="_x0000_s1196" name="Equation" r:id="rId9" imgW="355600" imgH="330200" progId="Equation.3">
                   <p:embed/>
                 </p:oleObj>
               </mc:Choice>
               <mc:Fallback>
-                <p:oleObj name="Equation" r:id="rId9" imgW="635000" imgH="330200" progId="Equation.3">
+                <p:oleObj name="Equation" r:id="rId9" imgW="355600" imgH="330200" progId="Equation.3">
                   <p:embed/>
                   <p:pic>
                     <p:nvPicPr>
@@ -3874,8 +3806,8 @@
                     </p:blipFill>
                     <p:spPr>
                       <a:xfrm>
-                        <a:off x="3927475" y="2758665"/>
-                        <a:ext cx="635000" cy="330200"/>
+                        <a:off x="4067175" y="2060575"/>
+                        <a:ext cx="355600" cy="330200"/>
                       </a:xfrm>
                       <a:prstGeom prst="rect">
                         <a:avLst/>
@@ -3897,25 +3829,25 @@
           <p:nvPr>
             <p:extLst>
               <p:ext uri="{D42A27DB-BD31-4B8C-83A1-F6EECF244321}">
-                <p14:modId xmlns:p14="http://schemas.microsoft.com/office/powerpoint/2010/main" val="2850099369"/>
+                <p14:modId xmlns:p14="http://schemas.microsoft.com/office/powerpoint/2010/main" val="2414962392"/>
               </p:ext>
             </p:extLst>
           </p:nvPr>
         </p:nvGraphicFramePr>
         <p:xfrm>
-          <a:off x="3140075" y="1433103"/>
-          <a:ext cx="2247900" cy="457200"/>
+          <a:off x="3851275" y="620713"/>
+          <a:ext cx="825500" cy="685800"/>
         </p:xfrm>
         <a:graphic>
           <a:graphicData uri="http://schemas.openxmlformats.org/presentationml/2006/ole">
             <mc:AlternateContent xmlns:mc="http://schemas.openxmlformats.org/markup-compatibility/2006">
               <mc:Choice xmlns:v="urn:schemas-microsoft-com:vml" Requires="v">
-                <p:oleObj spid="_x0000_s1179" name="Equation" r:id="rId11" imgW="2247900" imgH="457200" progId="Equation.3">
+                <p:oleObj spid="_x0000_s1197" name="Equation" r:id="rId11" imgW="825500" imgH="685800" progId="Equation.3">
                   <p:embed/>
                 </p:oleObj>
               </mc:Choice>
               <mc:Fallback>
-                <p:oleObj name="Equation" r:id="rId11" imgW="2247900" imgH="457200" progId="Equation.3">
+                <p:oleObj name="Equation" r:id="rId11" imgW="825500" imgH="685800" progId="Equation.3">
                   <p:embed/>
                   <p:pic>
                     <p:nvPicPr>
@@ -3931,8 +3863,133 @@
                     </p:blipFill>
                     <p:spPr>
                       <a:xfrm>
-                        <a:off x="3140075" y="1433103"/>
-                        <a:ext cx="2247900" cy="457200"/>
+                        <a:off x="3851275" y="620713"/>
+                        <a:ext cx="825500" cy="685800"/>
+                      </a:xfrm>
+                      <a:prstGeom prst="rect">
+                        <a:avLst/>
+                      </a:prstGeom>
+                    </p:spPr>
+                  </p:pic>
+                </p:oleObj>
+              </mc:Fallback>
+            </mc:AlternateContent>
+          </a:graphicData>
+        </a:graphic>
+      </p:graphicFrame>
+      <p:sp>
+        <p:nvSpPr>
+          <p:cNvPr id="18" name="Rounded Rectangle 8"/>
+          <p:cNvSpPr/>
+          <p:nvPr/>
+        </p:nvSpPr>
+        <p:spPr>
+          <a:xfrm>
+            <a:off x="2339752" y="3789040"/>
+            <a:ext cx="3888432" cy="785818"/>
+          </a:xfrm>
+          <a:prstGeom prst="roundRect">
+            <a:avLst/>
+          </a:prstGeom>
+          <a:solidFill>
+            <a:srgbClr val="C6D9F1"/>
+          </a:solidFill>
+          <a:ln>
+            <a:solidFill>
+              <a:schemeClr val="tx1"/>
+            </a:solidFill>
+          </a:ln>
+        </p:spPr>
+        <p:style>
+          <a:lnRef idx="2">
+            <a:schemeClr val="accent1">
+              <a:shade val="50000"/>
+            </a:schemeClr>
+          </a:lnRef>
+          <a:fillRef idx="1">
+            <a:schemeClr val="accent1"/>
+          </a:fillRef>
+          <a:effectRef idx="0">
+            <a:schemeClr val="accent1"/>
+          </a:effectRef>
+          <a:fontRef idx="minor">
+            <a:schemeClr val="lt1"/>
+          </a:fontRef>
+        </p:style>
+        <p:txBody>
+          <a:bodyPr wrap="none" rtlCol="0" anchor="ctr"/>
+          <a:lstStyle/>
+          <a:p>
+            <a:pPr algn="ctr"/>
+            <a:r>
+              <a:rPr lang="de-DE" b="1" dirty="0" err="1" smtClean="0">
+                <a:solidFill>
+                  <a:schemeClr val="tx1"/>
+                </a:solidFill>
+              </a:rPr>
+              <a:t>join</a:t>
+            </a:r>
+            <a:endParaRPr lang="de-DE" b="1" dirty="0" smtClean="0">
+              <a:solidFill>
+                <a:schemeClr val="tx1"/>
+              </a:solidFill>
+            </a:endParaRPr>
+          </a:p>
+          <a:p>
+            <a:pPr algn="ctr"/>
+            <a:endParaRPr lang="de-DE" b="1" dirty="0" smtClean="0">
+              <a:solidFill>
+                <a:schemeClr val="tx1"/>
+              </a:solidFill>
+            </a:endParaRPr>
+          </a:p>
+        </p:txBody>
+      </p:sp>
+      <p:graphicFrame>
+        <p:nvGraphicFramePr>
+          <p:cNvPr id="19" name="Objekt 18"/>
+          <p:cNvGraphicFramePr>
+            <a:graphicFrameLocks noChangeAspect="1"/>
+          </p:cNvGraphicFramePr>
+          <p:nvPr>
+            <p:extLst>
+              <p:ext uri="{D42A27DB-BD31-4B8C-83A1-F6EECF244321}">
+                <p14:modId xmlns:p14="http://schemas.microsoft.com/office/powerpoint/2010/main" val="3887846447"/>
+              </p:ext>
+            </p:extLst>
+          </p:nvPr>
+        </p:nvGraphicFramePr>
+        <p:xfrm>
+          <a:off x="3554413" y="4192588"/>
+          <a:ext cx="1485900" cy="292100"/>
+        </p:xfrm>
+        <a:graphic>
+          <a:graphicData uri="http://schemas.openxmlformats.org/presentationml/2006/ole">
+            <mc:AlternateContent xmlns:mc="http://schemas.openxmlformats.org/markup-compatibility/2006">
+              <mc:Choice xmlns:v="urn:schemas-microsoft-com:vml" Requires="v">
+                <p:oleObj spid="_x0000_s1198" name="Equation" r:id="rId13" imgW="1485900" imgH="292100" progId="Equation.3">
+                  <p:embed/>
+                </p:oleObj>
+              </mc:Choice>
+              <mc:Fallback>
+                <p:oleObj name="Equation" r:id="rId13" imgW="1485900" imgH="292100" progId="Equation.3">
+                  <p:embed/>
+                  <p:pic>
+                    <p:nvPicPr>
+                      <p:cNvPr id="0" name=""/>
+                      <p:cNvPicPr/>
+                      <p:nvPr/>
+                    </p:nvPicPr>
+                    <p:blipFill>
+                      <a:blip r:embed="rId14"/>
+                      <a:stretch>
+                        <a:fillRect/>
+                      </a:stretch>
+                    </p:blipFill>
+                    <p:spPr>
+                      <a:xfrm>
+                        <a:off x="3554413" y="4192588"/>
+                        <a:ext cx="1485900" cy="292100"/>
                       </a:xfrm>
                       <a:prstGeom prst="rect">
                         <a:avLst/>
